--- a/C#/이것이C#이다_GarbageCollection.pptx
+++ b/C#/이것이C#이다_GarbageCollection.pptx
@@ -3451,27 +3451,7 @@
           <a:p>
             <a:pPr algn="r"/>
             <a:r>
-              <a:rPr lang="ko-KR" altLang="en-US" dirty="0"/>
-              <a:t>소속 </a:t>
-            </a:r>
-            <a:r>
-              <a:rPr lang="en-US" altLang="ko-KR" dirty="0"/>
-              <a:t>: </a:t>
-            </a:r>
-            <a:r>
-              <a:rPr lang="ko-KR" altLang="en-US" dirty="0" err="1"/>
-              <a:t>텔로스</a:t>
-            </a:r>
-            <a:r>
-              <a:rPr lang="ko-KR" altLang="en-US" dirty="0"/>
-              <a:t> 개발팀</a:t>
-            </a:r>
-            <a:endParaRPr lang="en-US" altLang="ko-KR" dirty="0"/>
-          </a:p>
-          <a:p>
-            <a:pPr algn="r"/>
-            <a:r>
-              <a:rPr lang="ko-KR" altLang="en-US" dirty="0"/>
+              <a:rPr lang="ko-KR" altLang="en-US"/>
               <a:t>수정일자 </a:t>
             </a:r>
             <a:r>
